--- a/决胜spring源码ppt/15 实现IOC容器的依赖注入.pptx
+++ b/决胜spring源码ppt/15 实现IOC容器的依赖注入.pptx
@@ -6,11 +6,6 @@
   </p:sldMasterIdLst>
   <p:sldIdLst>
     <p:sldId id="256" r:id="rId2"/>
-    <p:sldId id="257" r:id="rId3"/>
-    <p:sldId id="258" r:id="rId4"/>
-    <p:sldId id="259" r:id="rId5"/>
-    <p:sldId id="260" r:id="rId6"/>
-    <p:sldId id="261" r:id="rId7"/>
   </p:sldIdLst>
   <p:sldSz cx="12192000" cy="6858000"/>
   <p:notesSz cx="6858000" cy="9144000"/>
@@ -2969,160 +2964,34 @@
           <a:chExt cx="0" cy="0"/>
         </a:xfrm>
       </p:grpSpPr>
+      <p:pic>
+        <p:nvPicPr>
+          <p:cNvPr id="3" name="图片 2"/>
+          <p:cNvPicPr>
+            <a:picLocks noChangeAspect="1"/>
+          </p:cNvPicPr>
+          <p:nvPr/>
+        </p:nvPicPr>
+        <p:blipFill>
+          <a:blip r:embed="rId2"/>
+          <a:stretch>
+            <a:fillRect/>
+          </a:stretch>
+        </p:blipFill>
+        <p:spPr>
+          <a:xfrm>
+            <a:off x="2671762" y="1504950"/>
+            <a:ext cx="6848475" cy="3848100"/>
+          </a:xfrm>
+          <a:prstGeom prst="rect">
+            <a:avLst/>
+          </a:prstGeom>
+        </p:spPr>
+      </p:pic>
     </p:spTree>
     <p:extLst>
       <p:ext uri="{BB962C8B-B14F-4D97-AF65-F5344CB8AC3E}">
         <p14:creationId xmlns:p14="http://schemas.microsoft.com/office/powerpoint/2010/main" val="872061485"/>
-      </p:ext>
-    </p:extLst>
-  </p:cSld>
-  <p:clrMapOvr>
-    <a:masterClrMapping/>
-  </p:clrMapOvr>
-</p:sld>
-</file>
-
-<file path=ppt/slides/slide2.xml><?xml version="1.0" encoding="utf-8"?>
-<p:sld xmlns:a="http://schemas.openxmlformats.org/drawingml/2006/main" xmlns:r="http://schemas.openxmlformats.org/officeDocument/2006/relationships" xmlns:p="http://schemas.openxmlformats.org/presentationml/2006/main">
-  <p:cSld>
-    <p:spTree>
-      <p:nvGrpSpPr>
-        <p:cNvPr id="1" name=""/>
-        <p:cNvGrpSpPr/>
-        <p:nvPr/>
-      </p:nvGrpSpPr>
-      <p:grpSpPr>
-        <a:xfrm>
-          <a:off x="0" y="0"/>
-          <a:ext cx="0" cy="0"/>
-          <a:chOff x="0" y="0"/>
-          <a:chExt cx="0" cy="0"/>
-        </a:xfrm>
-      </p:grpSpPr>
-    </p:spTree>
-    <p:extLst>
-      <p:ext uri="{BB962C8B-B14F-4D97-AF65-F5344CB8AC3E}">
-        <p14:creationId xmlns:p14="http://schemas.microsoft.com/office/powerpoint/2010/main" val="86527678"/>
-      </p:ext>
-    </p:extLst>
-  </p:cSld>
-  <p:clrMapOvr>
-    <a:masterClrMapping/>
-  </p:clrMapOvr>
-</p:sld>
-</file>
-
-<file path=ppt/slides/slide3.xml><?xml version="1.0" encoding="utf-8"?>
-<p:sld xmlns:a="http://schemas.openxmlformats.org/drawingml/2006/main" xmlns:r="http://schemas.openxmlformats.org/officeDocument/2006/relationships" xmlns:p="http://schemas.openxmlformats.org/presentationml/2006/main">
-  <p:cSld>
-    <p:spTree>
-      <p:nvGrpSpPr>
-        <p:cNvPr id="1" name=""/>
-        <p:cNvGrpSpPr/>
-        <p:nvPr/>
-      </p:nvGrpSpPr>
-      <p:grpSpPr>
-        <a:xfrm>
-          <a:off x="0" y="0"/>
-          <a:ext cx="0" cy="0"/>
-          <a:chOff x="0" y="0"/>
-          <a:chExt cx="0" cy="0"/>
-        </a:xfrm>
-      </p:grpSpPr>
-    </p:spTree>
-    <p:extLst>
-      <p:ext uri="{BB962C8B-B14F-4D97-AF65-F5344CB8AC3E}">
-        <p14:creationId xmlns:p14="http://schemas.microsoft.com/office/powerpoint/2010/main" val="3043961376"/>
-      </p:ext>
-    </p:extLst>
-  </p:cSld>
-  <p:clrMapOvr>
-    <a:masterClrMapping/>
-  </p:clrMapOvr>
-</p:sld>
-</file>
-
-<file path=ppt/slides/slide4.xml><?xml version="1.0" encoding="utf-8"?>
-<p:sld xmlns:a="http://schemas.openxmlformats.org/drawingml/2006/main" xmlns:r="http://schemas.openxmlformats.org/officeDocument/2006/relationships" xmlns:p="http://schemas.openxmlformats.org/presentationml/2006/main">
-  <p:cSld>
-    <p:spTree>
-      <p:nvGrpSpPr>
-        <p:cNvPr id="1" name=""/>
-        <p:cNvGrpSpPr/>
-        <p:nvPr/>
-      </p:nvGrpSpPr>
-      <p:grpSpPr>
-        <a:xfrm>
-          <a:off x="0" y="0"/>
-          <a:ext cx="0" cy="0"/>
-          <a:chOff x="0" y="0"/>
-          <a:chExt cx="0" cy="0"/>
-        </a:xfrm>
-      </p:grpSpPr>
-    </p:spTree>
-    <p:extLst>
-      <p:ext uri="{BB962C8B-B14F-4D97-AF65-F5344CB8AC3E}">
-        <p14:creationId xmlns:p14="http://schemas.microsoft.com/office/powerpoint/2010/main" val="456653872"/>
-      </p:ext>
-    </p:extLst>
-  </p:cSld>
-  <p:clrMapOvr>
-    <a:masterClrMapping/>
-  </p:clrMapOvr>
-</p:sld>
-</file>
-
-<file path=ppt/slides/slide5.xml><?xml version="1.0" encoding="utf-8"?>
-<p:sld xmlns:a="http://schemas.openxmlformats.org/drawingml/2006/main" xmlns:r="http://schemas.openxmlformats.org/officeDocument/2006/relationships" xmlns:p="http://schemas.openxmlformats.org/presentationml/2006/main">
-  <p:cSld>
-    <p:spTree>
-      <p:nvGrpSpPr>
-        <p:cNvPr id="1" name=""/>
-        <p:cNvGrpSpPr/>
-        <p:nvPr/>
-      </p:nvGrpSpPr>
-      <p:grpSpPr>
-        <a:xfrm>
-          <a:off x="0" y="0"/>
-          <a:ext cx="0" cy="0"/>
-          <a:chOff x="0" y="0"/>
-          <a:chExt cx="0" cy="0"/>
-        </a:xfrm>
-      </p:grpSpPr>
-    </p:spTree>
-    <p:extLst>
-      <p:ext uri="{BB962C8B-B14F-4D97-AF65-F5344CB8AC3E}">
-        <p14:creationId xmlns:p14="http://schemas.microsoft.com/office/powerpoint/2010/main" val="2935689034"/>
-      </p:ext>
-    </p:extLst>
-  </p:cSld>
-  <p:clrMapOvr>
-    <a:masterClrMapping/>
-  </p:clrMapOvr>
-</p:sld>
-</file>
-
-<file path=ppt/slides/slide6.xml><?xml version="1.0" encoding="utf-8"?>
-<p:sld xmlns:a="http://schemas.openxmlformats.org/drawingml/2006/main" xmlns:r="http://schemas.openxmlformats.org/officeDocument/2006/relationships" xmlns:p="http://schemas.openxmlformats.org/presentationml/2006/main">
-  <p:cSld>
-    <p:spTree>
-      <p:nvGrpSpPr>
-        <p:cNvPr id="1" name=""/>
-        <p:cNvGrpSpPr/>
-        <p:nvPr/>
-      </p:nvGrpSpPr>
-      <p:grpSpPr>
-        <a:xfrm>
-          <a:off x="0" y="0"/>
-          <a:ext cx="0" cy="0"/>
-          <a:chOff x="0" y="0"/>
-          <a:chExt cx="0" cy="0"/>
-        </a:xfrm>
-      </p:grpSpPr>
-    </p:spTree>
-    <p:extLst>
-      <p:ext uri="{BB962C8B-B14F-4D97-AF65-F5344CB8AC3E}">
-        <p14:creationId xmlns:p14="http://schemas.microsoft.com/office/powerpoint/2010/main" val="2682494701"/>
       </p:ext>
     </p:extLst>
   </p:cSld>
